--- a/05_linux2.pptx
+++ b/05_linux2.pptx
@@ -239,7 +239,7 @@
           <a:p>
             <a:fld id="{48BA394C-F57C-46F7-A237-44FDB0C72F82}" type="datetimeFigureOut">
               <a:rPr lang="ko-KR" altLang="en-US" smtClean="0"/>
-              <a:t>2020-09-28</a:t>
+              <a:t>2020-10-06</a:t>
             </a:fld>
             <a:endParaRPr lang="ko-KR" altLang="en-US"/>
           </a:p>
@@ -6439,7 +6439,7 @@
             </a:r>
             <a:r>
               <a:rPr lang="ko-KR" altLang="en-US" sz="1800" dirty="0" smtClean="0"/>
-              <a:t>등</a:t>
+              <a:t>등등</a:t>
             </a:r>
             <a:r>
               <a:rPr lang="en-US" altLang="ko-KR" sz="1800" dirty="0" smtClean="0"/>
@@ -9916,11 +9916,7 @@
             </a:r>
             <a:r>
               <a:rPr lang="ko-KR" altLang="en-US" dirty="0" smtClean="0"/>
-              <a:t>계정으로 </a:t>
-            </a:r>
-            <a:r>
-              <a:rPr lang="ko-KR" altLang="en-US" dirty="0" smtClean="0"/>
-              <a:t>실행해야 함</a:t>
+              <a:t>계정으로 실행해야 함</a:t>
             </a:r>
             <a:endParaRPr lang="en-US" altLang="ko-KR" dirty="0"/>
           </a:p>
@@ -10457,6 +10453,206 @@
               </a:solidFill>
               <a:latin typeface="+mn-ea"/>
             </a:endParaRPr>
+          </a:p>
+        </p:txBody>
+      </p:sp>
+      <p:sp>
+        <p:nvSpPr>
+          <p:cNvPr id="5" name="TextBox 4"/>
+          <p:cNvSpPr txBox="1"/>
+          <p:nvPr/>
+        </p:nvSpPr>
+        <p:spPr>
+          <a:xfrm>
+            <a:off x="3424518" y="4956988"/>
+            <a:ext cx="3970831" cy="276999"/>
+          </a:xfrm>
+          <a:prstGeom prst="rect">
+            <a:avLst/>
+          </a:prstGeom>
+          <a:solidFill>
+            <a:schemeClr val="bg1"/>
+          </a:solidFill>
+          <a:ln>
+            <a:solidFill>
+              <a:schemeClr val="tx1">
+                <a:lumMod val="65000"/>
+                <a:lumOff val="35000"/>
+              </a:schemeClr>
+            </a:solidFill>
+          </a:ln>
+        </p:spPr>
+        <p:txBody>
+          <a:bodyPr wrap="none" rtlCol="0">
+            <a:spAutoFit/>
+          </a:bodyPr>
+          <a:lstStyle/>
+          <a:p>
+            <a:r>
+              <a:rPr lang="en-US" altLang="ko-KR" sz="1200" b="1" dirty="0" smtClean="0"/>
+              <a:t>1. /</a:t>
+            </a:r>
+            <a:r>
+              <a:rPr lang="en-US" altLang="ko-KR" sz="1200" b="1" dirty="0" err="1" smtClean="0"/>
+              <a:t>etc</a:t>
+            </a:r>
+            <a:r>
+              <a:rPr lang="en-US" altLang="ko-KR" sz="1200" b="1" dirty="0" smtClean="0"/>
+              <a:t> </a:t>
+            </a:r>
+            <a:r>
+              <a:rPr lang="ko-KR" altLang="en-US" sz="1200" b="1" dirty="0" smtClean="0"/>
+              <a:t>폴더의 </a:t>
+            </a:r>
+            <a:r>
+              <a:rPr lang="en-US" altLang="ko-KR" sz="1200" b="1" dirty="0" err="1" smtClean="0"/>
+              <a:t>passwd</a:t>
+            </a:r>
+            <a:r>
+              <a:rPr lang="en-US" altLang="ko-KR" sz="1200" b="1" dirty="0" smtClean="0"/>
+              <a:t> </a:t>
+            </a:r>
+            <a:r>
+              <a:rPr lang="ko-KR" altLang="en-US" sz="1200" b="1" dirty="0" smtClean="0"/>
+              <a:t>파일의 앞에서 </a:t>
+            </a:r>
+            <a:r>
+              <a:rPr lang="en-US" altLang="ko-KR" sz="1200" b="1" dirty="0" smtClean="0"/>
+              <a:t>5</a:t>
+            </a:r>
+            <a:r>
+              <a:rPr lang="ko-KR" altLang="en-US" sz="1200" b="1" dirty="0" smtClean="0"/>
+              <a:t>개의 정보 출력</a:t>
+            </a:r>
+            <a:endParaRPr lang="ko-KR" altLang="en-US" sz="1200" b="1" dirty="0"/>
+          </a:p>
+        </p:txBody>
+      </p:sp>
+      <p:sp>
+        <p:nvSpPr>
+          <p:cNvPr id="11" name="TextBox 10"/>
+          <p:cNvSpPr txBox="1"/>
+          <p:nvPr/>
+        </p:nvSpPr>
+        <p:spPr>
+          <a:xfrm>
+            <a:off x="10037149" y="3145128"/>
+            <a:ext cx="1957627" cy="400110"/>
+          </a:xfrm>
+          <a:prstGeom prst="rect">
+            <a:avLst/>
+          </a:prstGeom>
+          <a:solidFill>
+            <a:schemeClr val="bg1"/>
+          </a:solidFill>
+          <a:ln>
+            <a:solidFill>
+              <a:schemeClr val="tx1">
+                <a:lumMod val="65000"/>
+                <a:lumOff val="35000"/>
+              </a:schemeClr>
+            </a:solidFill>
+          </a:ln>
+        </p:spPr>
+        <p:txBody>
+          <a:bodyPr wrap="square" rtlCol="0">
+            <a:spAutoFit/>
+          </a:bodyPr>
+          <a:lstStyle/>
+          <a:p>
+            <a:r>
+              <a:rPr lang="en-US" altLang="ko-KR" sz="1000" b="1" dirty="0" smtClean="0"/>
+              <a:t>2. /</a:t>
+            </a:r>
+            <a:r>
+              <a:rPr lang="en-US" altLang="ko-KR" sz="1000" b="1" dirty="0" err="1" smtClean="0"/>
+              <a:t>etc</a:t>
+            </a:r>
+            <a:r>
+              <a:rPr lang="en-US" altLang="ko-KR" sz="1000" b="1" dirty="0" smtClean="0"/>
+              <a:t> </a:t>
+            </a:r>
+            <a:r>
+              <a:rPr lang="ko-KR" altLang="en-US" sz="1000" b="1" dirty="0" smtClean="0"/>
+              <a:t>폴더의 </a:t>
+            </a:r>
+            <a:r>
+              <a:rPr lang="en-US" altLang="ko-KR" sz="1000" b="1" dirty="0" smtClean="0"/>
+              <a:t>group </a:t>
+            </a:r>
+            <a:r>
+              <a:rPr lang="ko-KR" altLang="en-US" sz="1000" b="1" dirty="0" smtClean="0"/>
+              <a:t>파일의 앞에서 </a:t>
+            </a:r>
+            <a:r>
+              <a:rPr lang="en-US" altLang="ko-KR" sz="1000" b="1" dirty="0" smtClean="0"/>
+              <a:t>10</a:t>
+            </a:r>
+            <a:r>
+              <a:rPr lang="ko-KR" altLang="en-US" sz="1000" b="1" dirty="0" smtClean="0"/>
+              <a:t>개의 정보 출력</a:t>
+            </a:r>
+            <a:endParaRPr lang="ko-KR" altLang="en-US" sz="1000" b="1" dirty="0"/>
+          </a:p>
+        </p:txBody>
+      </p:sp>
+      <p:sp>
+        <p:nvSpPr>
+          <p:cNvPr id="12" name="TextBox 11"/>
+          <p:cNvSpPr txBox="1"/>
+          <p:nvPr/>
+        </p:nvSpPr>
+        <p:spPr>
+          <a:xfrm>
+            <a:off x="7982458" y="6008021"/>
+            <a:ext cx="3739985" cy="246221"/>
+          </a:xfrm>
+          <a:prstGeom prst="rect">
+            <a:avLst/>
+          </a:prstGeom>
+          <a:solidFill>
+            <a:schemeClr val="bg1"/>
+          </a:solidFill>
+          <a:ln>
+            <a:solidFill>
+              <a:schemeClr val="tx1">
+                <a:lumMod val="65000"/>
+                <a:lumOff val="35000"/>
+              </a:schemeClr>
+            </a:solidFill>
+          </a:ln>
+        </p:spPr>
+        <p:txBody>
+          <a:bodyPr wrap="square" rtlCol="0">
+            <a:spAutoFit/>
+          </a:bodyPr>
+          <a:lstStyle/>
+          <a:p>
+            <a:r>
+              <a:rPr lang="en-US" altLang="ko-KR" sz="1000" b="1" dirty="0" smtClean="0"/>
+              <a:t>3. /</a:t>
+            </a:r>
+            <a:r>
+              <a:rPr lang="en-US" altLang="ko-KR" sz="1000" b="1" dirty="0" err="1" smtClean="0"/>
+              <a:t>etc</a:t>
+            </a:r>
+            <a:r>
+              <a:rPr lang="en-US" altLang="ko-KR" sz="1000" b="1" dirty="0" smtClean="0"/>
+              <a:t> </a:t>
+            </a:r>
+            <a:r>
+              <a:rPr lang="ko-KR" altLang="en-US" sz="1000" b="1" dirty="0" smtClean="0"/>
+              <a:t>폴더의 </a:t>
+            </a:r>
+            <a:r>
+              <a:rPr lang="en-US" altLang="ko-KR" sz="1000" b="1" dirty="0" smtClean="0"/>
+              <a:t>shadow </a:t>
+            </a:r>
+            <a:r>
+              <a:rPr lang="ko-KR" altLang="en-US" sz="1000" b="1" dirty="0" smtClean="0"/>
+              <a:t>파일을 한 페이지씩 정보 출력</a:t>
+            </a:r>
+            <a:endParaRPr lang="ko-KR" altLang="en-US" sz="1000" b="1" dirty="0"/>
           </a:p>
         </p:txBody>
       </p:sp>
@@ -10583,14 +10779,14 @@
           <p:nvPr>
             <p:extLst>
               <p:ext uri="{D42A27DB-BD31-4B8C-83A1-F6EECF244321}">
-                <p14:modId xmlns:p14="http://schemas.microsoft.com/office/powerpoint/2010/main" val="2139831314"/>
+                <p14:modId xmlns:p14="http://schemas.microsoft.com/office/powerpoint/2010/main" val="2210319615"/>
               </p:ext>
             </p:extLst>
           </p:nvPr>
         </p:nvGraphicFramePr>
         <p:xfrm>
           <a:off x="792332" y="1690683"/>
-          <a:ext cx="10045714" cy="3762465"/>
+          <a:ext cx="10045714" cy="3804090"/>
         </p:xfrm>
         <a:graphic>
           <a:graphicData uri="http://schemas.openxmlformats.org/drawingml/2006/table">
@@ -11479,6 +11675,50 @@
                         <a:ea typeface="+mn-ea"/>
                       </a:endParaRPr>
                     </a:p>
+                    <a:p>
+                      <a:pPr marL="0" marR="0" lvl="0" indent="0" algn="l" defTabSz="914400" rtl="0" eaLnBrk="1" fontAlgn="auto" latinLnBrk="1" hangingPunct="1">
+                        <a:lnSpc>
+                          <a:spcPct val="100000"/>
+                        </a:lnSpc>
+                        <a:spcBef>
+                          <a:spcPts val="0"/>
+                        </a:spcBef>
+                        <a:spcAft>
+                          <a:spcPts val="0"/>
+                        </a:spcAft>
+                        <a:buClrTx/>
+                        <a:buSzTx/>
+                        <a:buFontTx/>
+                        <a:buNone/>
+                        <a:tabLst/>
+                        <a:defRPr/>
+                      </a:pPr>
+                      <a:r>
+                        <a:rPr lang="en-US" altLang="ko-KR" sz="1600" dirty="0" smtClean="0">
+                          <a:latin typeface="+mn-ea"/>
+                          <a:ea typeface="+mn-ea"/>
+                        </a:rPr>
+                        <a:t># </a:t>
+                      </a:r>
+                      <a:r>
+                        <a:rPr lang="en-US" altLang="ko-KR" sz="1600" dirty="0" err="1" smtClean="0">
+                          <a:latin typeface="+mn-ea"/>
+                          <a:ea typeface="+mn-ea"/>
+                        </a:rPr>
+                        <a:t>usermod</a:t>
+                      </a:r>
+                      <a:r>
+                        <a:rPr lang="en-US" altLang="ko-KR" sz="1600" dirty="0" smtClean="0">
+                          <a:latin typeface="+mn-ea"/>
+                          <a:ea typeface="+mn-ea"/>
+                        </a:rPr>
+                        <a:t> –e 2020-10-07 user01 </a:t>
+                      </a:r>
+                      <a:endParaRPr lang="en-US" altLang="ko-KR" sz="1600" dirty="0" smtClean="0">
+                        <a:latin typeface="+mn-ea"/>
+                        <a:ea typeface="+mn-ea"/>
+                      </a:endParaRPr>
+                    </a:p>
                   </a:txBody>
                   <a:tcPr anchor="ctr">
                     <a:lnL w="12700" cap="flat" cmpd="sng" algn="ctr">
@@ -12456,27 +12696,39 @@
               <a:t>를 </a:t>
             </a:r>
             <a:r>
+              <a:rPr lang="en-US" altLang="ko-KR" sz="2400" dirty="0" smtClean="0">
+                <a:latin typeface="+mn-ea"/>
+              </a:rPr>
+              <a:t>‘Oct 7, 2020’</a:t>
+            </a:r>
+            <a:r>
+              <a:rPr lang="ko-KR" altLang="en-US" sz="2400" dirty="0">
+                <a:latin typeface="+mn-ea"/>
+              </a:rPr>
+              <a:t>에 </a:t>
+            </a:r>
+            <a:r>
+              <a:rPr lang="ko-KR" altLang="en-US" sz="2400" dirty="0" smtClean="0">
+                <a:latin typeface="+mn-ea"/>
+              </a:rPr>
+              <a:t>폐기되도록 </a:t>
+            </a:r>
+            <a:r>
+              <a:rPr lang="ko-KR" altLang="en-US" sz="2400" dirty="0">
+                <a:latin typeface="+mn-ea"/>
+              </a:rPr>
+              <a:t>설정하고 그 정보를 </a:t>
+            </a:r>
+            <a:r>
+              <a:rPr lang="ko-KR" altLang="en-US" sz="2400" dirty="0" err="1">
+                <a:latin typeface="+mn-ea"/>
+              </a:rPr>
+              <a:t>확인하시오</a:t>
+            </a:r>
+            <a:r>
               <a:rPr lang="en-US" altLang="ko-KR" sz="2400" dirty="0">
                 <a:latin typeface="+mn-ea"/>
               </a:rPr>
-              <a:t>‘Oct 30, 2019’</a:t>
-            </a:r>
-            <a:r>
-              <a:rPr lang="ko-KR" altLang="en-US" sz="2400" dirty="0">
-                <a:latin typeface="+mn-ea"/>
-              </a:rPr>
-              <a:t>에 폐기되도록 설정하고 그 정보를 </a:t>
-            </a:r>
-            <a:r>
-              <a:rPr lang="ko-KR" altLang="en-US" sz="2400" dirty="0" err="1">
-                <a:latin typeface="+mn-ea"/>
-              </a:rPr>
-              <a:t>확인하시오</a:t>
-            </a:r>
-            <a:r>
-              <a:rPr lang="en-US" altLang="ko-KR" sz="2400" dirty="0">
-                <a:latin typeface="+mn-ea"/>
-              </a:rPr>
               <a:t>.</a:t>
             </a:r>
           </a:p>
@@ -12548,6 +12800,48 @@
               </a:rPr>
               <a:t>.</a:t>
             </a:r>
+          </a:p>
+          <a:p>
+            <a:pPr lvl="1"/>
+            <a:r>
+              <a:rPr lang="en-US" altLang="ko-KR" sz="2000" dirty="0" err="1" smtClean="0">
+                <a:latin typeface="+mn-ea"/>
+              </a:rPr>
+              <a:t>usermod</a:t>
+            </a:r>
+            <a:r>
+              <a:rPr lang="en-US" altLang="ko-KR" sz="2000" dirty="0" smtClean="0">
+                <a:latin typeface="+mn-ea"/>
+              </a:rPr>
+              <a:t> </a:t>
+            </a:r>
+            <a:r>
+              <a:rPr lang="ko-KR" altLang="en-US" sz="2000" dirty="0" smtClean="0">
+                <a:latin typeface="+mn-ea"/>
+              </a:rPr>
+              <a:t>명령 </a:t>
+            </a:r>
+            <a:r>
+              <a:rPr lang="en-US" altLang="ko-KR" sz="2000" dirty="0" smtClean="0">
+                <a:latin typeface="+mn-ea"/>
+              </a:rPr>
+              <a:t>/ </a:t>
+            </a:r>
+            <a:r>
+              <a:rPr lang="ko-KR" altLang="en-US" sz="2000" dirty="0" smtClean="0">
+                <a:latin typeface="+mn-ea"/>
+              </a:rPr>
+              <a:t>옵션 </a:t>
+            </a:r>
+            <a:r>
+              <a:rPr lang="en-US" altLang="ko-KR" sz="2000" dirty="0" smtClean="0">
+                <a:latin typeface="+mn-ea"/>
+              </a:rPr>
+              <a:t>–e </a:t>
+            </a:r>
+            <a:endParaRPr lang="en-US" altLang="ko-KR" sz="2000" dirty="0" smtClean="0">
+              <a:latin typeface="+mn-ea"/>
+            </a:endParaRPr>
           </a:p>
           <a:p>
             <a:endParaRPr lang="en-US" altLang="ko-KR" dirty="0" smtClean="0">
@@ -12647,44 +12941,6 @@
       </p:grpSpPr>
       <p:sp>
         <p:nvSpPr>
-          <p:cNvPr id="2" name="제목 1"/>
-          <p:cNvSpPr>
-            <a:spLocks noGrp="1"/>
-          </p:cNvSpPr>
-          <p:nvPr>
-            <p:ph type="title"/>
-          </p:nvPr>
-        </p:nvSpPr>
-        <p:spPr/>
-        <p:txBody>
-          <a:bodyPr/>
-          <a:lstStyle/>
-          <a:p>
-            <a:endParaRPr lang="ko-KR" altLang="en-US"/>
-          </a:p>
-        </p:txBody>
-      </p:sp>
-      <p:sp>
-        <p:nvSpPr>
-          <p:cNvPr id="3" name="내용 개체 틀 2"/>
-          <p:cNvSpPr>
-            <a:spLocks noGrp="1"/>
-          </p:cNvSpPr>
-          <p:nvPr>
-            <p:ph idx="1"/>
-          </p:nvPr>
-        </p:nvSpPr>
-        <p:spPr/>
-        <p:txBody>
-          <a:bodyPr/>
-          <a:lstStyle/>
-          <a:p>
-            <a:endParaRPr lang="ko-KR" altLang="en-US"/>
-          </a:p>
-        </p:txBody>
-      </p:sp>
-      <p:sp>
-        <p:nvSpPr>
           <p:cNvPr id="4" name="슬라이드 번호 개체 틀 3"/>
           <p:cNvSpPr>
             <a:spLocks noGrp="1"/>
@@ -12722,7 +12978,7 @@
         </p:blipFill>
         <p:spPr>
           <a:xfrm>
-            <a:off x="1771850" y="553865"/>
+            <a:off x="1498144" y="728649"/>
             <a:ext cx="8648300" cy="5677246"/>
           </a:xfrm>
           <a:prstGeom prst="rect">
@@ -12730,6 +12986,190 @@
           </a:prstGeom>
         </p:spPr>
       </p:pic>
+      <p:sp>
+        <p:nvSpPr>
+          <p:cNvPr id="7" name="직사각형 6"/>
+          <p:cNvSpPr/>
+          <p:nvPr/>
+        </p:nvSpPr>
+        <p:spPr>
+          <a:xfrm>
+            <a:off x="3419422" y="728649"/>
+            <a:ext cx="2649684" cy="234066"/>
+          </a:xfrm>
+          <a:prstGeom prst="rect">
+            <a:avLst/>
+          </a:prstGeom>
+          <a:noFill/>
+          <a:ln w="38100">
+            <a:solidFill>
+              <a:srgbClr val="FF0000"/>
+            </a:solidFill>
+          </a:ln>
+        </p:spPr>
+        <p:style>
+          <a:lnRef idx="2">
+            <a:schemeClr val="accent1">
+              <a:shade val="50000"/>
+            </a:schemeClr>
+          </a:lnRef>
+          <a:fillRef idx="1">
+            <a:schemeClr val="accent1"/>
+          </a:fillRef>
+          <a:effectRef idx="0">
+            <a:schemeClr val="accent1"/>
+          </a:effectRef>
+          <a:fontRef idx="minor">
+            <a:schemeClr val="lt1"/>
+          </a:fontRef>
+        </p:style>
+        <p:txBody>
+          <a:bodyPr rtlCol="0" anchor="ctr"/>
+          <a:lstStyle/>
+          <a:p>
+            <a:pPr algn="ctr"/>
+            <a:endParaRPr lang="ko-KR" altLang="en-US"/>
+          </a:p>
+        </p:txBody>
+      </p:sp>
+      <p:sp>
+        <p:nvSpPr>
+          <p:cNvPr id="8" name="직사각형 7"/>
+          <p:cNvSpPr/>
+          <p:nvPr/>
+        </p:nvSpPr>
+        <p:spPr>
+          <a:xfrm>
+            <a:off x="3136749" y="3041543"/>
+            <a:ext cx="3497131" cy="234066"/>
+          </a:xfrm>
+          <a:prstGeom prst="rect">
+            <a:avLst/>
+          </a:prstGeom>
+          <a:noFill/>
+          <a:ln w="38100">
+            <a:solidFill>
+              <a:srgbClr val="FF0000"/>
+            </a:solidFill>
+          </a:ln>
+        </p:spPr>
+        <p:style>
+          <a:lnRef idx="2">
+            <a:schemeClr val="accent1">
+              <a:shade val="50000"/>
+            </a:schemeClr>
+          </a:lnRef>
+          <a:fillRef idx="1">
+            <a:schemeClr val="accent1"/>
+          </a:fillRef>
+          <a:effectRef idx="0">
+            <a:schemeClr val="accent1"/>
+          </a:effectRef>
+          <a:fontRef idx="minor">
+            <a:schemeClr val="lt1"/>
+          </a:fontRef>
+        </p:style>
+        <p:txBody>
+          <a:bodyPr rtlCol="0" anchor="ctr"/>
+          <a:lstStyle/>
+          <a:p>
+            <a:pPr algn="ctr"/>
+            <a:endParaRPr lang="ko-KR" altLang="en-US"/>
+          </a:p>
+        </p:txBody>
+      </p:sp>
+      <p:sp>
+        <p:nvSpPr>
+          <p:cNvPr id="9" name="직사각형 8"/>
+          <p:cNvSpPr/>
+          <p:nvPr/>
+        </p:nvSpPr>
+        <p:spPr>
+          <a:xfrm>
+            <a:off x="3135502" y="3275609"/>
+            <a:ext cx="1938522" cy="234066"/>
+          </a:xfrm>
+          <a:prstGeom prst="rect">
+            <a:avLst/>
+          </a:prstGeom>
+          <a:noFill/>
+          <a:ln w="38100">
+            <a:solidFill>
+              <a:srgbClr val="FF0000"/>
+            </a:solidFill>
+          </a:ln>
+        </p:spPr>
+        <p:style>
+          <a:lnRef idx="2">
+            <a:schemeClr val="accent1">
+              <a:shade val="50000"/>
+            </a:schemeClr>
+          </a:lnRef>
+          <a:fillRef idx="1">
+            <a:schemeClr val="accent1"/>
+          </a:fillRef>
+          <a:effectRef idx="0">
+            <a:schemeClr val="accent1"/>
+          </a:effectRef>
+          <a:fontRef idx="minor">
+            <a:schemeClr val="lt1"/>
+          </a:fontRef>
+        </p:style>
+        <p:txBody>
+          <a:bodyPr rtlCol="0" anchor="ctr"/>
+          <a:lstStyle/>
+          <a:p>
+            <a:pPr algn="ctr"/>
+            <a:endParaRPr lang="ko-KR" altLang="en-US"/>
+          </a:p>
+        </p:txBody>
+      </p:sp>
+      <p:sp>
+        <p:nvSpPr>
+          <p:cNvPr id="10" name="직사각형 9"/>
+          <p:cNvSpPr/>
+          <p:nvPr/>
+        </p:nvSpPr>
+        <p:spPr>
+          <a:xfrm>
+            <a:off x="3045854" y="5074024"/>
+            <a:ext cx="2162639" cy="280413"/>
+          </a:xfrm>
+          <a:prstGeom prst="rect">
+            <a:avLst/>
+          </a:prstGeom>
+          <a:noFill/>
+          <a:ln w="38100">
+            <a:solidFill>
+              <a:srgbClr val="FF0000"/>
+            </a:solidFill>
+          </a:ln>
+        </p:spPr>
+        <p:style>
+          <a:lnRef idx="2">
+            <a:schemeClr val="accent1">
+              <a:shade val="50000"/>
+            </a:schemeClr>
+          </a:lnRef>
+          <a:fillRef idx="1">
+            <a:schemeClr val="accent1"/>
+          </a:fillRef>
+          <a:effectRef idx="0">
+            <a:schemeClr val="accent1"/>
+          </a:effectRef>
+          <a:fontRef idx="minor">
+            <a:schemeClr val="lt1"/>
+          </a:fontRef>
+        </p:style>
+        <p:txBody>
+          <a:bodyPr rtlCol="0" anchor="ctr"/>
+          <a:lstStyle/>
+          <a:p>
+            <a:pPr algn="ctr"/>
+            <a:endParaRPr lang="ko-KR" altLang="en-US"/>
+          </a:p>
+        </p:txBody>
+      </p:sp>
     </p:spTree>
     <p:extLst>
       <p:ext uri="{BB962C8B-B14F-4D97-AF65-F5344CB8AC3E}">
@@ -14023,6 +14463,282 @@
           </a:p>
         </p:txBody>
       </p:sp>
+      <p:sp>
+        <p:nvSpPr>
+          <p:cNvPr id="15" name="직사각형 14"/>
+          <p:cNvSpPr/>
+          <p:nvPr/>
+        </p:nvSpPr>
+        <p:spPr>
+          <a:xfrm>
+            <a:off x="957257" y="1549944"/>
+            <a:ext cx="1382531" cy="1165733"/>
+          </a:xfrm>
+          <a:prstGeom prst="rect">
+            <a:avLst/>
+          </a:prstGeom>
+          <a:noFill/>
+          <a:ln w="38100">
+            <a:solidFill>
+              <a:srgbClr val="FFFF00"/>
+            </a:solidFill>
+          </a:ln>
+        </p:spPr>
+        <p:style>
+          <a:lnRef idx="2">
+            <a:schemeClr val="accent1">
+              <a:shade val="50000"/>
+            </a:schemeClr>
+          </a:lnRef>
+          <a:fillRef idx="1">
+            <a:schemeClr val="accent1"/>
+          </a:fillRef>
+          <a:effectRef idx="0">
+            <a:schemeClr val="accent1"/>
+          </a:effectRef>
+          <a:fontRef idx="minor">
+            <a:schemeClr val="lt1"/>
+          </a:fontRef>
+        </p:style>
+        <p:txBody>
+          <a:bodyPr rtlCol="0" anchor="ctr"/>
+          <a:lstStyle/>
+          <a:p>
+            <a:pPr algn="ctr"/>
+            <a:endParaRPr lang="ko-KR" altLang="en-US"/>
+          </a:p>
+        </p:txBody>
+      </p:sp>
+      <p:sp>
+        <p:nvSpPr>
+          <p:cNvPr id="20" name="직사각형 19"/>
+          <p:cNvSpPr/>
+          <p:nvPr/>
+        </p:nvSpPr>
+        <p:spPr>
+          <a:xfrm>
+            <a:off x="2685871" y="1549944"/>
+            <a:ext cx="998624" cy="1165733"/>
+          </a:xfrm>
+          <a:prstGeom prst="rect">
+            <a:avLst/>
+          </a:prstGeom>
+          <a:noFill/>
+          <a:ln w="38100">
+            <a:solidFill>
+              <a:srgbClr val="FFFF00"/>
+            </a:solidFill>
+          </a:ln>
+        </p:spPr>
+        <p:style>
+          <a:lnRef idx="2">
+            <a:schemeClr val="accent1">
+              <a:shade val="50000"/>
+            </a:schemeClr>
+          </a:lnRef>
+          <a:fillRef idx="1">
+            <a:schemeClr val="accent1"/>
+          </a:fillRef>
+          <a:effectRef idx="0">
+            <a:schemeClr val="accent1"/>
+          </a:effectRef>
+          <a:fontRef idx="minor">
+            <a:schemeClr val="lt1"/>
+          </a:fontRef>
+        </p:style>
+        <p:txBody>
+          <a:bodyPr rtlCol="0" anchor="ctr"/>
+          <a:lstStyle/>
+          <a:p>
+            <a:pPr algn="ctr"/>
+            <a:endParaRPr lang="ko-KR" altLang="en-US"/>
+          </a:p>
+        </p:txBody>
+      </p:sp>
+      <p:sp>
+        <p:nvSpPr>
+          <p:cNvPr id="21" name="직사각형 20"/>
+          <p:cNvSpPr/>
+          <p:nvPr/>
+        </p:nvSpPr>
+        <p:spPr>
+          <a:xfrm>
+            <a:off x="3774214" y="1549943"/>
+            <a:ext cx="998624" cy="1165733"/>
+          </a:xfrm>
+          <a:prstGeom prst="rect">
+            <a:avLst/>
+          </a:prstGeom>
+          <a:noFill/>
+          <a:ln w="38100">
+            <a:solidFill>
+              <a:srgbClr val="FFFF00"/>
+            </a:solidFill>
+          </a:ln>
+        </p:spPr>
+        <p:style>
+          <a:lnRef idx="2">
+            <a:schemeClr val="accent1">
+              <a:shade val="50000"/>
+            </a:schemeClr>
+          </a:lnRef>
+          <a:fillRef idx="1">
+            <a:schemeClr val="accent1"/>
+          </a:fillRef>
+          <a:effectRef idx="0">
+            <a:schemeClr val="accent1"/>
+          </a:effectRef>
+          <a:fontRef idx="minor">
+            <a:schemeClr val="lt1"/>
+          </a:fontRef>
+        </p:style>
+        <p:txBody>
+          <a:bodyPr rtlCol="0" anchor="ctr"/>
+          <a:lstStyle/>
+          <a:p>
+            <a:pPr algn="ctr"/>
+            <a:endParaRPr lang="ko-KR" altLang="en-US"/>
+          </a:p>
+        </p:txBody>
+      </p:sp>
+      <p:sp>
+        <p:nvSpPr>
+          <p:cNvPr id="22" name="직사각형 21"/>
+          <p:cNvSpPr/>
+          <p:nvPr/>
+        </p:nvSpPr>
+        <p:spPr>
+          <a:xfrm>
+            <a:off x="4853747" y="1549943"/>
+            <a:ext cx="722300" cy="1165733"/>
+          </a:xfrm>
+          <a:prstGeom prst="rect">
+            <a:avLst/>
+          </a:prstGeom>
+          <a:noFill/>
+          <a:ln w="38100">
+            <a:solidFill>
+              <a:srgbClr val="FFFF00"/>
+            </a:solidFill>
+          </a:ln>
+        </p:spPr>
+        <p:style>
+          <a:lnRef idx="2">
+            <a:schemeClr val="accent1">
+              <a:shade val="50000"/>
+            </a:schemeClr>
+          </a:lnRef>
+          <a:fillRef idx="1">
+            <a:schemeClr val="accent1"/>
+          </a:fillRef>
+          <a:effectRef idx="0">
+            <a:schemeClr val="accent1"/>
+          </a:effectRef>
+          <a:fontRef idx="minor">
+            <a:schemeClr val="lt1"/>
+          </a:fontRef>
+        </p:style>
+        <p:txBody>
+          <a:bodyPr rtlCol="0" anchor="ctr"/>
+          <a:lstStyle/>
+          <a:p>
+            <a:pPr algn="ctr"/>
+            <a:endParaRPr lang="ko-KR" altLang="en-US"/>
+          </a:p>
+        </p:txBody>
+      </p:sp>
+      <p:sp>
+        <p:nvSpPr>
+          <p:cNvPr id="25" name="직사각형 24"/>
+          <p:cNvSpPr/>
+          <p:nvPr/>
+        </p:nvSpPr>
+        <p:spPr>
+          <a:xfrm>
+            <a:off x="5656955" y="1549943"/>
+            <a:ext cx="1591239" cy="1165733"/>
+          </a:xfrm>
+          <a:prstGeom prst="rect">
+            <a:avLst/>
+          </a:prstGeom>
+          <a:noFill/>
+          <a:ln w="38100">
+            <a:solidFill>
+              <a:srgbClr val="FFFF00"/>
+            </a:solidFill>
+          </a:ln>
+        </p:spPr>
+        <p:style>
+          <a:lnRef idx="2">
+            <a:schemeClr val="accent1">
+              <a:shade val="50000"/>
+            </a:schemeClr>
+          </a:lnRef>
+          <a:fillRef idx="1">
+            <a:schemeClr val="accent1"/>
+          </a:fillRef>
+          <a:effectRef idx="0">
+            <a:schemeClr val="accent1"/>
+          </a:effectRef>
+          <a:fontRef idx="minor">
+            <a:schemeClr val="lt1"/>
+          </a:fontRef>
+        </p:style>
+        <p:txBody>
+          <a:bodyPr rtlCol="0" anchor="ctr"/>
+          <a:lstStyle/>
+          <a:p>
+            <a:pPr algn="ctr"/>
+            <a:endParaRPr lang="ko-KR" altLang="en-US"/>
+          </a:p>
+        </p:txBody>
+      </p:sp>
+      <p:sp>
+        <p:nvSpPr>
+          <p:cNvPr id="26" name="직사각형 25"/>
+          <p:cNvSpPr/>
+          <p:nvPr/>
+        </p:nvSpPr>
+        <p:spPr>
+          <a:xfrm>
+            <a:off x="7337913" y="1575598"/>
+            <a:ext cx="1770677" cy="1165733"/>
+          </a:xfrm>
+          <a:prstGeom prst="rect">
+            <a:avLst/>
+          </a:prstGeom>
+          <a:noFill/>
+          <a:ln w="38100">
+            <a:solidFill>
+              <a:srgbClr val="FFFF00"/>
+            </a:solidFill>
+          </a:ln>
+        </p:spPr>
+        <p:style>
+          <a:lnRef idx="2">
+            <a:schemeClr val="accent1">
+              <a:shade val="50000"/>
+            </a:schemeClr>
+          </a:lnRef>
+          <a:fillRef idx="1">
+            <a:schemeClr val="accent1"/>
+          </a:fillRef>
+          <a:effectRef idx="0">
+            <a:schemeClr val="accent1"/>
+          </a:effectRef>
+          <a:fontRef idx="minor">
+            <a:schemeClr val="lt1"/>
+          </a:fontRef>
+        </p:style>
+        <p:txBody>
+          <a:bodyPr rtlCol="0" anchor="ctr"/>
+          <a:lstStyle/>
+          <a:p>
+            <a:pPr algn="ctr"/>
+            <a:endParaRPr lang="ko-KR" altLang="en-US"/>
+          </a:p>
+        </p:txBody>
+      </p:sp>
     </p:spTree>
     <p:extLst>
       <p:ext uri="{BB962C8B-B14F-4D97-AF65-F5344CB8AC3E}">
@@ -14115,7 +14831,11 @@
               <a:t>디렉터리일 경우에는 </a:t>
             </a:r>
             <a:r>
-              <a:rPr lang="en-US" altLang="ko-KR" sz="1800" b="1" dirty="0"/>
+              <a:rPr lang="en-US" altLang="ko-KR" sz="1800" b="1" dirty="0">
+                <a:solidFill>
+                  <a:srgbClr val="3333FF"/>
+                </a:solidFill>
+              </a:rPr>
               <a:t>d</a:t>
             </a:r>
             <a:r>
@@ -14127,7 +14847,11 @@
               <a:t>일반적인 파일일 경우에는 </a:t>
             </a:r>
             <a:r>
-              <a:rPr lang="en-US" altLang="ko-KR" sz="1800" b="1" dirty="0"/>
+              <a:rPr lang="en-US" altLang="ko-KR" sz="1800" b="1" dirty="0">
+                <a:solidFill>
+                  <a:srgbClr val="3333FF"/>
+                </a:solidFill>
+              </a:rPr>
               <a:t>-</a:t>
             </a:r>
             <a:r>
@@ -15705,13 +16429,13 @@
               <a:t> : “</a:t>
             </a:r>
             <a:r>
-              <a:rPr lang="en-US" altLang="ko-KR" dirty="0" err="1">
+              <a:rPr lang="en-US" altLang="ko-KR" b="1" dirty="0" err="1">
                 <a:latin typeface="+mn-ea"/>
               </a:rPr>
               <a:t>gzip</a:t>
             </a:r>
             <a:r>
-              <a:rPr lang="en-US" altLang="ko-KR" dirty="0">
+              <a:rPr lang="en-US" altLang="ko-KR" b="1" dirty="0">
                 <a:latin typeface="+mn-ea"/>
               </a:rPr>
               <a:t> -d</a:t>
@@ -15890,16 +16614,28 @@
               <a:t>으로 파일을 압축해보고 가장 </a:t>
             </a:r>
             <a:r>
-              <a:rPr lang="ko-KR" altLang="en-US" sz="2000" dirty="0" err="1" smtClean="0">
-                <a:latin typeface="+mj-lt"/>
-              </a:rPr>
-              <a:t>압축율이</a:t>
-            </a:r>
-            <a:r>
               <a:rPr lang="ko-KR" altLang="en-US" sz="2000" dirty="0" smtClean="0">
                 <a:latin typeface="+mj-lt"/>
               </a:rPr>
-              <a:t> 높은 명령어를 확인하세요</a:t>
+              <a:t>압축</a:t>
+            </a:r>
+            <a:r>
+              <a:rPr lang="ko-KR" altLang="en-US" sz="2000" dirty="0">
+                <a:latin typeface="+mj-lt"/>
+              </a:rPr>
+              <a:t>률</a:t>
+            </a:r>
+            <a:r>
+              <a:rPr lang="ko-KR" altLang="en-US" sz="2000" dirty="0" smtClean="0">
+                <a:latin typeface="+mj-lt"/>
+              </a:rPr>
+              <a:t>이 </a:t>
+            </a:r>
+            <a:r>
+              <a:rPr lang="ko-KR" altLang="en-US" sz="2000" dirty="0" smtClean="0">
+                <a:latin typeface="+mj-lt"/>
+              </a:rPr>
+              <a:t>높은 명령어를 확인하세요</a:t>
             </a:r>
             <a:r>
               <a:rPr lang="en-US" altLang="ko-KR" sz="2000" dirty="0" smtClean="0">
@@ -15998,7 +16734,11 @@
             </a:r>
             <a:r>
               <a:rPr lang="en-US" altLang="ko-KR" dirty="0"/>
-              <a:t>(tar</a:t>
+              <a:t>(</a:t>
+            </a:r>
+            <a:r>
+              <a:rPr lang="en-US" altLang="ko-KR" b="1" dirty="0"/>
+              <a:t>tar</a:t>
             </a:r>
             <a:r>
               <a:rPr lang="en-US" altLang="ko-KR" dirty="0" smtClean="0"/>
@@ -16271,16 +17011,16 @@
               <a:t>/ → </a:t>
             </a:r>
             <a:r>
-              <a:rPr lang="ko-KR" altLang="en-US" sz="2200" dirty="0">
-                <a:solidFill>
-                  <a:srgbClr val="0070C0"/>
+              <a:rPr lang="ko-KR" altLang="en-US" sz="2200" b="1" dirty="0">
+                <a:solidFill>
+                  <a:srgbClr val="3333FF"/>
                 </a:solidFill>
               </a:rPr>
               <a:t>묶기</a:t>
             </a:r>
-            <a:endParaRPr lang="en-US" altLang="ko-KR" sz="2200" dirty="0">
+            <a:endParaRPr lang="en-US" altLang="ko-KR" sz="2200" b="1" dirty="0">
               <a:solidFill>
-                <a:srgbClr val="0070C0"/>
+                <a:srgbClr val="3333FF"/>
               </a:solidFill>
             </a:endParaRPr>
           </a:p>
@@ -16394,41 +17134,41 @@
               <a:t>/ → </a:t>
             </a:r>
             <a:r>
-              <a:rPr lang="ko-KR" altLang="en-US" sz="2200" dirty="0">
-                <a:solidFill>
-                  <a:srgbClr val="0070C0"/>
+              <a:rPr lang="ko-KR" altLang="en-US" sz="2200" b="1" dirty="0">
+                <a:solidFill>
+                  <a:srgbClr val="3333FF"/>
                 </a:solidFill>
               </a:rPr>
               <a:t>묶기 </a:t>
             </a:r>
             <a:r>
-              <a:rPr lang="en-US" altLang="ko-KR" sz="2200" dirty="0">
-                <a:solidFill>
-                  <a:srgbClr val="0070C0"/>
+              <a:rPr lang="en-US" altLang="ko-KR" sz="2200" b="1" dirty="0">
+                <a:solidFill>
+                  <a:srgbClr val="3333FF"/>
                 </a:solidFill>
               </a:rPr>
               <a:t>+ </a:t>
             </a:r>
             <a:r>
-              <a:rPr lang="en-US" altLang="ko-KR" sz="2200" dirty="0" err="1">
-                <a:solidFill>
-                  <a:srgbClr val="0070C0"/>
+              <a:rPr lang="en-US" altLang="ko-KR" sz="2200" b="1" dirty="0" err="1">
+                <a:solidFill>
+                  <a:srgbClr val="3333FF"/>
                 </a:solidFill>
               </a:rPr>
               <a:t>xz</a:t>
             </a:r>
             <a:r>
-              <a:rPr lang="en-US" altLang="ko-KR" sz="2200" dirty="0">
-                <a:solidFill>
-                  <a:srgbClr val="0070C0"/>
+              <a:rPr lang="en-US" altLang="ko-KR" sz="2200" b="1" dirty="0">
+                <a:solidFill>
+                  <a:srgbClr val="3333FF"/>
                 </a:solidFill>
               </a:rPr>
               <a:t> </a:t>
             </a:r>
             <a:r>
-              <a:rPr lang="ko-KR" altLang="en-US" sz="2200" dirty="0">
-                <a:solidFill>
-                  <a:srgbClr val="0070C0"/>
+              <a:rPr lang="ko-KR" altLang="en-US" sz="2200" b="1" dirty="0">
+                <a:solidFill>
+                  <a:srgbClr val="3333FF"/>
                 </a:solidFill>
               </a:rPr>
               <a:t>압축</a:t>
@@ -16461,12 +17201,28 @@
                   <a:srgbClr val="0070C0"/>
                 </a:solidFill>
               </a:rPr>
-              <a:t> my.tar → tar </a:t>
-            </a:r>
-            <a:r>
-              <a:rPr lang="ko-KR" altLang="en-US" sz="2200" dirty="0">
+              <a:t> my.tar → </a:t>
+            </a:r>
+            <a:r>
+              <a:rPr lang="en-US" altLang="ko-KR" sz="2200" b="1" dirty="0">
+                <a:solidFill>
+                  <a:srgbClr val="3333FF"/>
+                </a:solidFill>
+              </a:rPr>
+              <a:t>tar</a:t>
+            </a:r>
+            <a:r>
+              <a:rPr lang="en-US" altLang="ko-KR" sz="2200" dirty="0">
                 <a:solidFill>
                   <a:srgbClr val="0070C0"/>
+                </a:solidFill>
+              </a:rPr>
+              <a:t> </a:t>
+            </a:r>
+            <a:r>
+              <a:rPr lang="ko-KR" altLang="en-US" sz="2200" b="1" dirty="0">
+                <a:solidFill>
+                  <a:srgbClr val="3333FF"/>
                 </a:solidFill>
               </a:rPr>
               <a:t>풀기</a:t>
@@ -16550,41 +17306,41 @@
               <a:t>/ → </a:t>
             </a:r>
             <a:r>
-              <a:rPr lang="en-US" altLang="ko-KR" sz="2200" dirty="0" err="1">
-                <a:solidFill>
-                  <a:srgbClr val="0070C0"/>
+              <a:rPr lang="en-US" altLang="ko-KR" sz="2200" b="1" dirty="0" err="1">
+                <a:solidFill>
+                  <a:srgbClr val="3333FF"/>
                 </a:solidFill>
               </a:rPr>
               <a:t>xz</a:t>
             </a:r>
             <a:r>
-              <a:rPr lang="en-US" altLang="ko-KR" sz="2200" dirty="0">
-                <a:solidFill>
-                  <a:srgbClr val="0070C0"/>
+              <a:rPr lang="en-US" altLang="ko-KR" sz="2200" b="1" dirty="0">
+                <a:solidFill>
+                  <a:srgbClr val="3333FF"/>
                 </a:solidFill>
               </a:rPr>
               <a:t> </a:t>
             </a:r>
             <a:r>
-              <a:rPr lang="ko-KR" altLang="en-US" sz="2200" dirty="0">
-                <a:solidFill>
-                  <a:srgbClr val="0070C0"/>
+              <a:rPr lang="ko-KR" altLang="en-US" sz="2200" b="1" dirty="0">
+                <a:solidFill>
+                  <a:srgbClr val="3333FF"/>
                 </a:solidFill>
               </a:rPr>
               <a:t>압축 해제 </a:t>
             </a:r>
             <a:r>
-              <a:rPr lang="en-US" altLang="ko-KR" sz="2200" dirty="0">
-                <a:solidFill>
-                  <a:srgbClr val="0070C0"/>
+              <a:rPr lang="en-US" altLang="ko-KR" sz="2200" b="1" dirty="0">
+                <a:solidFill>
+                  <a:srgbClr val="3333FF"/>
                 </a:solidFill>
               </a:rPr>
               <a:t>+ tar </a:t>
             </a:r>
             <a:r>
-              <a:rPr lang="ko-KR" altLang="en-US" sz="2200" dirty="0">
-                <a:solidFill>
-                  <a:srgbClr val="0070C0"/>
+              <a:rPr lang="ko-KR" altLang="en-US" sz="2200" b="1" dirty="0">
+                <a:solidFill>
+                  <a:srgbClr val="3333FF"/>
                 </a:solidFill>
               </a:rPr>
               <a:t>풀기</a:t>
@@ -17134,13 +17890,7 @@
               <a:rPr lang="en-US" altLang="ko-KR" sz="2000" dirty="0" smtClean="0">
                 <a:latin typeface="+mj-lt"/>
               </a:rPr>
-              <a:t>hello</a:t>
-            </a:r>
-            <a:r>
-              <a:rPr lang="en-US" altLang="ko-KR" sz="2000" dirty="0" smtClean="0">
-                <a:latin typeface="+mj-lt"/>
-              </a:rPr>
-              <a:t>.sh</a:t>
+              <a:t>hello.sh</a:t>
             </a:r>
             <a:r>
               <a:rPr lang="ko-KR" altLang="en-US" sz="2000" dirty="0" smtClean="0">
@@ -17475,7 +18225,27 @@
                 <a:latin typeface="Courier New" panose="02070309020205020404" pitchFamily="49" charset="0"/>
                 <a:cs typeface="Courier New" panose="02070309020205020404" pitchFamily="49" charset="0"/>
               </a:rPr>
-              <a:t> apt-get install </a:t>
+              <a:t> </a:t>
+            </a:r>
+            <a:r>
+              <a:rPr lang="en-US" altLang="ko-KR" b="1" dirty="0" smtClean="0">
+                <a:solidFill>
+                  <a:srgbClr val="0000FF"/>
+                </a:solidFill>
+                <a:latin typeface="Courier New" panose="02070309020205020404" pitchFamily="49" charset="0"/>
+                <a:cs typeface="Courier New" panose="02070309020205020404" pitchFamily="49" charset="0"/>
+              </a:rPr>
+              <a:t>apt </a:t>
+            </a:r>
+            <a:r>
+              <a:rPr lang="en-US" altLang="ko-KR" b="1" dirty="0">
+                <a:solidFill>
+                  <a:srgbClr val="0000FF"/>
+                </a:solidFill>
+                <a:latin typeface="Courier New" panose="02070309020205020404" pitchFamily="49" charset="0"/>
+                <a:cs typeface="Courier New" panose="02070309020205020404" pitchFamily="49" charset="0"/>
+              </a:rPr>
+              <a:t>install </a:t>
             </a:r>
             <a:r>
               <a:rPr lang="en-US" altLang="ko-KR" b="1" dirty="0" err="1">
@@ -17593,7 +18363,7 @@
             <p:ph idx="1"/>
             <p:extLst>
               <p:ext uri="{D42A27DB-BD31-4B8C-83A1-F6EECF244321}">
-                <p14:modId xmlns:p14="http://schemas.microsoft.com/office/powerpoint/2010/main" val="1486443478"/>
+                <p14:modId xmlns:p14="http://schemas.microsoft.com/office/powerpoint/2010/main" val="3802923396"/>
               </p:ext>
             </p:extLst>
           </p:nvPr>
@@ -17767,7 +18537,15 @@
                           <a:latin typeface="+mn-ea"/>
                           <a:ea typeface="+mn-ea"/>
                         </a:rPr>
-                        <a:t>apt install</a:t>
+                        <a:t>apt </a:t>
+                      </a:r>
+                      <a:r>
+                        <a:rPr lang="en-US" b="1" dirty="0">
+                          <a:effectLst/>
+                          <a:latin typeface="+mn-ea"/>
+                          <a:ea typeface="+mn-ea"/>
+                        </a:rPr>
+                        <a:t>install</a:t>
                       </a:r>
                     </a:p>
                   </a:txBody>
@@ -17903,7 +18681,15 @@
                           <a:latin typeface="+mn-ea"/>
                           <a:ea typeface="+mn-ea"/>
                         </a:rPr>
-                        <a:t>apt remove</a:t>
+                        <a:t>apt </a:t>
+                      </a:r>
+                      <a:r>
+                        <a:rPr lang="en-US" b="1" dirty="0">
+                          <a:effectLst/>
+                          <a:latin typeface="+mn-ea"/>
+                          <a:ea typeface="+mn-ea"/>
+                        </a:rPr>
+                        <a:t>remove</a:t>
                       </a:r>
                     </a:p>
                   </a:txBody>
@@ -18026,7 +18812,15 @@
                           <a:latin typeface="+mn-ea"/>
                           <a:ea typeface="+mn-ea"/>
                         </a:rPr>
-                        <a:t>apt purge</a:t>
+                        <a:t>apt </a:t>
+                      </a:r>
+                      <a:r>
+                        <a:rPr lang="en-US" b="1" dirty="0">
+                          <a:effectLst/>
+                          <a:latin typeface="+mn-ea"/>
+                          <a:ea typeface="+mn-ea"/>
+                        </a:rPr>
+                        <a:t>purge</a:t>
                       </a:r>
                     </a:p>
                   </a:txBody>
@@ -18149,7 +18943,15 @@
                           <a:latin typeface="+mn-ea"/>
                           <a:ea typeface="+mn-ea"/>
                         </a:rPr>
-                        <a:t>apt update</a:t>
+                        <a:t>apt </a:t>
+                      </a:r>
+                      <a:r>
+                        <a:rPr lang="en-US" b="1" dirty="0">
+                          <a:effectLst/>
+                          <a:latin typeface="+mn-ea"/>
+                          <a:ea typeface="+mn-ea"/>
+                        </a:rPr>
+                        <a:t>update</a:t>
                       </a:r>
                     </a:p>
                   </a:txBody>
@@ -18280,7 +19082,15 @@
                           <a:latin typeface="+mn-ea"/>
                           <a:ea typeface="+mn-ea"/>
                         </a:rPr>
-                        <a:t>apt upgrade</a:t>
+                        <a:t>apt </a:t>
+                      </a:r>
+                      <a:r>
+                        <a:rPr lang="en-US" b="1" dirty="0">
+                          <a:effectLst/>
+                          <a:latin typeface="+mn-ea"/>
+                          <a:ea typeface="+mn-ea"/>
+                        </a:rPr>
+                        <a:t>upgrade</a:t>
                       </a:r>
                     </a:p>
                   </a:txBody>
@@ -18406,14 +19216,14 @@
                         <a:t>apt </a:t>
                       </a:r>
                       <a:r>
-                        <a:rPr lang="en-US" dirty="0" err="1">
+                        <a:rPr lang="en-US" b="1" dirty="0" err="1">
                           <a:effectLst/>
                           <a:latin typeface="+mn-ea"/>
                           <a:ea typeface="+mn-ea"/>
                         </a:rPr>
                         <a:t>autoremove</a:t>
                       </a:r>
-                      <a:endParaRPr lang="en-US" dirty="0">
+                      <a:endParaRPr lang="en-US" b="1" dirty="0">
                         <a:effectLst/>
                         <a:latin typeface="+mn-ea"/>
                         <a:ea typeface="+mn-ea"/>
@@ -18662,7 +19472,15 @@
                           <a:latin typeface="+mn-ea"/>
                           <a:ea typeface="+mn-ea"/>
                         </a:rPr>
-                        <a:t>apt search</a:t>
+                        <a:t>apt </a:t>
+                      </a:r>
+                      <a:r>
+                        <a:rPr lang="en-US" b="1" dirty="0">
+                          <a:effectLst/>
+                          <a:latin typeface="+mn-ea"/>
+                          <a:ea typeface="+mn-ea"/>
+                        </a:rPr>
+                        <a:t>search</a:t>
                       </a:r>
                     </a:p>
                   </a:txBody>
@@ -18785,7 +19603,15 @@
                           <a:latin typeface="+mn-ea"/>
                           <a:ea typeface="+mn-ea"/>
                         </a:rPr>
-                        <a:t>apt show</a:t>
+                        <a:t>apt </a:t>
+                      </a:r>
+                      <a:r>
+                        <a:rPr lang="en-US" b="1" dirty="0">
+                          <a:effectLst/>
+                          <a:latin typeface="+mn-ea"/>
+                          <a:ea typeface="+mn-ea"/>
+                        </a:rPr>
+                        <a:t>show</a:t>
                       </a:r>
                     </a:p>
                   </a:txBody>
@@ -18908,7 +19734,15 @@
                           <a:latin typeface="+mn-ea"/>
                           <a:ea typeface="+mn-ea"/>
                         </a:rPr>
-                        <a:t>apt list</a:t>
+                        <a:t>apt </a:t>
+                      </a:r>
+                      <a:r>
+                        <a:rPr lang="en-US" b="1" dirty="0">
+                          <a:effectLst/>
+                          <a:latin typeface="+mn-ea"/>
+                          <a:ea typeface="+mn-ea"/>
+                        </a:rPr>
+                        <a:t>list</a:t>
                       </a:r>
                     </a:p>
                   </a:txBody>
@@ -19031,7 +19865,15 @@
                           <a:latin typeface="+mn-ea"/>
                           <a:ea typeface="+mn-ea"/>
                         </a:rPr>
-                        <a:t>apt edit-sources</a:t>
+                        <a:t>apt </a:t>
+                      </a:r>
+                      <a:r>
+                        <a:rPr lang="en-US" b="1" dirty="0">
+                          <a:effectLst/>
+                          <a:latin typeface="+mn-ea"/>
+                          <a:ea typeface="+mn-ea"/>
+                        </a:rPr>
+                        <a:t>edit-sources</a:t>
                       </a:r>
                     </a:p>
                   </a:txBody>
@@ -19217,10 +20059,23 @@
         </p:nvSpPr>
         <p:spPr/>
         <p:txBody>
-          <a:bodyPr/>
+          <a:bodyPr>
+            <a:normAutofit fontScale="90000"/>
+          </a:bodyPr>
           <a:lstStyle/>
           <a:p>
-            <a:endParaRPr lang="ko-KR" altLang="en-US"/>
+            <a:r>
+              <a:rPr lang="en-US" altLang="ko-KR" dirty="0" err="1" smtClean="0"/>
+              <a:t>gcc</a:t>
+            </a:r>
+            <a:r>
+              <a:rPr lang="en-US" altLang="ko-KR" dirty="0" smtClean="0"/>
+              <a:t/>
+            </a:r>
+            <a:br>
+              <a:rPr lang="en-US" altLang="ko-KR" dirty="0" smtClean="0"/>
+            </a:br>
+            <a:endParaRPr lang="ko-KR" altLang="en-US" dirty="0"/>
           </a:p>
         </p:txBody>
       </p:sp>
@@ -19290,6 +20145,52 @@
           </a:prstGeom>
         </p:spPr>
       </p:pic>
+      <p:sp>
+        <p:nvSpPr>
+          <p:cNvPr id="6" name="직사각형 5"/>
+          <p:cNvSpPr/>
+          <p:nvPr/>
+        </p:nvSpPr>
+        <p:spPr>
+          <a:xfrm>
+            <a:off x="2989115" y="1284461"/>
+            <a:ext cx="1824931" cy="234066"/>
+          </a:xfrm>
+          <a:prstGeom prst="rect">
+            <a:avLst/>
+          </a:prstGeom>
+          <a:noFill/>
+          <a:ln w="38100">
+            <a:solidFill>
+              <a:srgbClr val="FF0000"/>
+            </a:solidFill>
+          </a:ln>
+        </p:spPr>
+        <p:style>
+          <a:lnRef idx="2">
+            <a:schemeClr val="accent1">
+              <a:shade val="50000"/>
+            </a:schemeClr>
+          </a:lnRef>
+          <a:fillRef idx="1">
+            <a:schemeClr val="accent1"/>
+          </a:fillRef>
+          <a:effectRef idx="0">
+            <a:schemeClr val="accent1"/>
+          </a:effectRef>
+          <a:fontRef idx="minor">
+            <a:schemeClr val="lt1"/>
+          </a:fontRef>
+        </p:style>
+        <p:txBody>
+          <a:bodyPr rtlCol="0" anchor="ctr"/>
+          <a:lstStyle/>
+          <a:p>
+            <a:pPr algn="ctr"/>
+            <a:endParaRPr lang="ko-KR" altLang="en-US" dirty="0"/>
+          </a:p>
+        </p:txBody>
+      </p:sp>
     </p:spTree>
     <p:extLst>
       <p:ext uri="{BB962C8B-B14F-4D97-AF65-F5344CB8AC3E}">
